--- a/ppt 16-9/0681.何为人生.pptx
+++ b/ppt 16-9/0681.何为人生.pptx
@@ -129,7 +129,7 @@
           <p:cNvPr id="2" name="标题 1">
             <a:extLst>
               <a:ext uri="{FF2B5EF4-FFF2-40B4-BE49-F238E27FC236}">
-                <a16:creationId xmlns:a16="http://schemas.microsoft.com/office/drawing/2014/main" id="{ED594BB9-9EAC-A280-F5EA-080B6450AC2A}"/>
+                <a16:creationId xmlns:a16="http://schemas.microsoft.com/office/drawing/2014/main" id="{AAEAF93C-2A20-0586-5B45-A035319AA67D}"/>
               </a:ext>
             </a:extLst>
           </p:cNvPr>
@@ -166,7 +166,7 @@
           <p:cNvPr id="3" name="副标题 2">
             <a:extLst>
               <a:ext uri="{FF2B5EF4-FFF2-40B4-BE49-F238E27FC236}">
-                <a16:creationId xmlns:a16="http://schemas.microsoft.com/office/drawing/2014/main" id="{90998A13-998E-7CAC-76C7-6586D624D275}"/>
+                <a16:creationId xmlns:a16="http://schemas.microsoft.com/office/drawing/2014/main" id="{4495E893-6E37-ACB3-E8F6-DF0EB68E7874}"/>
               </a:ext>
             </a:extLst>
           </p:cNvPr>
@@ -236,7 +236,7 @@
           <p:cNvPr id="4" name="日期占位符 3">
             <a:extLst>
               <a:ext uri="{FF2B5EF4-FFF2-40B4-BE49-F238E27FC236}">
-                <a16:creationId xmlns:a16="http://schemas.microsoft.com/office/drawing/2014/main" id="{0F5A4405-F9EE-892E-8FD8-DD3B9EA1B6B8}"/>
+                <a16:creationId xmlns:a16="http://schemas.microsoft.com/office/drawing/2014/main" id="{2F205D5C-80BF-559E-B319-90E633169008}"/>
               </a:ext>
             </a:extLst>
           </p:cNvPr>
@@ -252,7 +252,7 @@
           <a:bodyPr/>
           <a:lstStyle/>
           <a:p>
-            <a:fld id="{651570F9-2E22-419A-B7F0-1EE33262E3AB}" type="datetimeFigureOut">
+            <a:fld id="{0F4FFD9B-71B6-4395-868A-FA503C1EF2D1}" type="datetimeFigureOut">
               <a:rPr lang="zh-CN" altLang="en-US" smtClean="0"/>
               <a:t>2024/3/10</a:t>
             </a:fld>
@@ -265,7 +265,7 @@
           <p:cNvPr id="5" name="页脚占位符 4">
             <a:extLst>
               <a:ext uri="{FF2B5EF4-FFF2-40B4-BE49-F238E27FC236}">
-                <a16:creationId xmlns:a16="http://schemas.microsoft.com/office/drawing/2014/main" id="{66E892EF-6D0A-FC14-DCC6-5B86247A1380}"/>
+                <a16:creationId xmlns:a16="http://schemas.microsoft.com/office/drawing/2014/main" id="{F668FF9D-32EE-472F-4A1E-94D0D1DBD7A1}"/>
               </a:ext>
             </a:extLst>
           </p:cNvPr>
@@ -290,7 +290,7 @@
           <p:cNvPr id="6" name="灯片编号占位符 5">
             <a:extLst>
               <a:ext uri="{FF2B5EF4-FFF2-40B4-BE49-F238E27FC236}">
-                <a16:creationId xmlns:a16="http://schemas.microsoft.com/office/drawing/2014/main" id="{AD293D3E-A36A-0000-D359-C52916B2CE80}"/>
+                <a16:creationId xmlns:a16="http://schemas.microsoft.com/office/drawing/2014/main" id="{AB8E8133-4364-5A04-4999-E331B1C99F12}"/>
               </a:ext>
             </a:extLst>
           </p:cNvPr>
@@ -306,7 +306,7 @@
           <a:bodyPr/>
           <a:lstStyle/>
           <a:p>
-            <a:fld id="{60A43E55-7A8F-44BE-A749-F2AE73600C82}" type="slidenum">
+            <a:fld id="{532E1A82-ABAC-4964-948A-898FC0995271}" type="slidenum">
               <a:rPr lang="zh-CN" altLang="en-US" smtClean="0"/>
               <a:t>‹#›</a:t>
             </a:fld>
@@ -317,7 +317,7 @@
     </p:spTree>
     <p:extLst>
       <p:ext uri="{BB962C8B-B14F-4D97-AF65-F5344CB8AC3E}">
-        <p14:creationId xmlns:p14="http://schemas.microsoft.com/office/powerpoint/2010/main" val="1059972473"/>
+        <p14:creationId xmlns:p14="http://schemas.microsoft.com/office/powerpoint/2010/main" val="3764627860"/>
       </p:ext>
     </p:extLst>
   </p:cSld>
@@ -349,7 +349,7 @@
           <p:cNvPr id="2" name="标题 1">
             <a:extLst>
               <a:ext uri="{FF2B5EF4-FFF2-40B4-BE49-F238E27FC236}">
-                <a16:creationId xmlns:a16="http://schemas.microsoft.com/office/drawing/2014/main" id="{8F8D8B05-850E-238D-0BF5-C47DFFDC9BDE}"/>
+                <a16:creationId xmlns:a16="http://schemas.microsoft.com/office/drawing/2014/main" id="{94DB79EF-ACA2-94B5-AB7A-21EFA6049EC9}"/>
               </a:ext>
             </a:extLst>
           </p:cNvPr>
@@ -377,7 +377,7 @@
           <p:cNvPr id="3" name="竖排文字占位符 2">
             <a:extLst>
               <a:ext uri="{FF2B5EF4-FFF2-40B4-BE49-F238E27FC236}">
-                <a16:creationId xmlns:a16="http://schemas.microsoft.com/office/drawing/2014/main" id="{533C843F-F4FA-8E01-C890-C45EE66628D7}"/>
+                <a16:creationId xmlns:a16="http://schemas.microsoft.com/office/drawing/2014/main" id="{1A810A95-5574-E03B-379F-D5EB55C9D22E}"/>
               </a:ext>
             </a:extLst>
           </p:cNvPr>
@@ -434,7 +434,7 @@
           <p:cNvPr id="4" name="日期占位符 3">
             <a:extLst>
               <a:ext uri="{FF2B5EF4-FFF2-40B4-BE49-F238E27FC236}">
-                <a16:creationId xmlns:a16="http://schemas.microsoft.com/office/drawing/2014/main" id="{85CD654A-E9BB-3CDC-88CB-80AF81852B6B}"/>
+                <a16:creationId xmlns:a16="http://schemas.microsoft.com/office/drawing/2014/main" id="{009F8B82-4618-759E-87DE-9992BF3E38A7}"/>
               </a:ext>
             </a:extLst>
           </p:cNvPr>
@@ -450,7 +450,7 @@
           <a:bodyPr/>
           <a:lstStyle/>
           <a:p>
-            <a:fld id="{651570F9-2E22-419A-B7F0-1EE33262E3AB}" type="datetimeFigureOut">
+            <a:fld id="{0F4FFD9B-71B6-4395-868A-FA503C1EF2D1}" type="datetimeFigureOut">
               <a:rPr lang="zh-CN" altLang="en-US" smtClean="0"/>
               <a:t>2024/3/10</a:t>
             </a:fld>
@@ -463,7 +463,7 @@
           <p:cNvPr id="5" name="页脚占位符 4">
             <a:extLst>
               <a:ext uri="{FF2B5EF4-FFF2-40B4-BE49-F238E27FC236}">
-                <a16:creationId xmlns:a16="http://schemas.microsoft.com/office/drawing/2014/main" id="{270CBE91-178B-013D-E49D-6372A8099728}"/>
+                <a16:creationId xmlns:a16="http://schemas.microsoft.com/office/drawing/2014/main" id="{8AA0536F-DFEC-B6E9-1D3C-50796DF3DCAD}"/>
               </a:ext>
             </a:extLst>
           </p:cNvPr>
@@ -488,7 +488,7 @@
           <p:cNvPr id="6" name="灯片编号占位符 5">
             <a:extLst>
               <a:ext uri="{FF2B5EF4-FFF2-40B4-BE49-F238E27FC236}">
-                <a16:creationId xmlns:a16="http://schemas.microsoft.com/office/drawing/2014/main" id="{8F847099-A877-093E-33BD-6BD13A6BA282}"/>
+                <a16:creationId xmlns:a16="http://schemas.microsoft.com/office/drawing/2014/main" id="{A460364D-E09E-B2FF-7CAF-7A46DE2547CB}"/>
               </a:ext>
             </a:extLst>
           </p:cNvPr>
@@ -504,7 +504,7 @@
           <a:bodyPr/>
           <a:lstStyle/>
           <a:p>
-            <a:fld id="{60A43E55-7A8F-44BE-A749-F2AE73600C82}" type="slidenum">
+            <a:fld id="{532E1A82-ABAC-4964-948A-898FC0995271}" type="slidenum">
               <a:rPr lang="zh-CN" altLang="en-US" smtClean="0"/>
               <a:t>‹#›</a:t>
             </a:fld>
@@ -515,7 +515,7 @@
     </p:spTree>
     <p:extLst>
       <p:ext uri="{BB962C8B-B14F-4D97-AF65-F5344CB8AC3E}">
-        <p14:creationId xmlns:p14="http://schemas.microsoft.com/office/powerpoint/2010/main" val="3540589101"/>
+        <p14:creationId xmlns:p14="http://schemas.microsoft.com/office/powerpoint/2010/main" val="3801477779"/>
       </p:ext>
     </p:extLst>
   </p:cSld>
@@ -547,7 +547,7 @@
           <p:cNvPr id="2" name="竖排标题 1">
             <a:extLst>
               <a:ext uri="{FF2B5EF4-FFF2-40B4-BE49-F238E27FC236}">
-                <a16:creationId xmlns:a16="http://schemas.microsoft.com/office/drawing/2014/main" id="{91452C95-C994-24A0-E530-FCF967ACE94E}"/>
+                <a16:creationId xmlns:a16="http://schemas.microsoft.com/office/drawing/2014/main" id="{65D22C17-0963-6FD9-BC69-30E8C2714F2C}"/>
               </a:ext>
             </a:extLst>
           </p:cNvPr>
@@ -580,7 +580,7 @@
           <p:cNvPr id="3" name="竖排文字占位符 2">
             <a:extLst>
               <a:ext uri="{FF2B5EF4-FFF2-40B4-BE49-F238E27FC236}">
-                <a16:creationId xmlns:a16="http://schemas.microsoft.com/office/drawing/2014/main" id="{C30A67EE-28F6-CC91-52CC-93084209F104}"/>
+                <a16:creationId xmlns:a16="http://schemas.microsoft.com/office/drawing/2014/main" id="{ED9976F7-C344-6991-FB89-A580161E3D68}"/>
               </a:ext>
             </a:extLst>
           </p:cNvPr>
@@ -642,7 +642,7 @@
           <p:cNvPr id="4" name="日期占位符 3">
             <a:extLst>
               <a:ext uri="{FF2B5EF4-FFF2-40B4-BE49-F238E27FC236}">
-                <a16:creationId xmlns:a16="http://schemas.microsoft.com/office/drawing/2014/main" id="{A659FCCD-B2B9-0C1C-BB38-1C79971B32B3}"/>
+                <a16:creationId xmlns:a16="http://schemas.microsoft.com/office/drawing/2014/main" id="{A948395B-B760-49B7-1259-5293CA37CFE3}"/>
               </a:ext>
             </a:extLst>
           </p:cNvPr>
@@ -658,7 +658,7 @@
           <a:bodyPr/>
           <a:lstStyle/>
           <a:p>
-            <a:fld id="{651570F9-2E22-419A-B7F0-1EE33262E3AB}" type="datetimeFigureOut">
+            <a:fld id="{0F4FFD9B-71B6-4395-868A-FA503C1EF2D1}" type="datetimeFigureOut">
               <a:rPr lang="zh-CN" altLang="en-US" smtClean="0"/>
               <a:t>2024/3/10</a:t>
             </a:fld>
@@ -671,7 +671,7 @@
           <p:cNvPr id="5" name="页脚占位符 4">
             <a:extLst>
               <a:ext uri="{FF2B5EF4-FFF2-40B4-BE49-F238E27FC236}">
-                <a16:creationId xmlns:a16="http://schemas.microsoft.com/office/drawing/2014/main" id="{27C9E370-A2C0-9129-39C5-714ABE8739EA}"/>
+                <a16:creationId xmlns:a16="http://schemas.microsoft.com/office/drawing/2014/main" id="{58308D96-A9C1-0FA4-629E-957B9CFA628F}"/>
               </a:ext>
             </a:extLst>
           </p:cNvPr>
@@ -696,7 +696,7 @@
           <p:cNvPr id="6" name="灯片编号占位符 5">
             <a:extLst>
               <a:ext uri="{FF2B5EF4-FFF2-40B4-BE49-F238E27FC236}">
-                <a16:creationId xmlns:a16="http://schemas.microsoft.com/office/drawing/2014/main" id="{397AA232-065A-C44B-0D7E-3F913C7D3A4B}"/>
+                <a16:creationId xmlns:a16="http://schemas.microsoft.com/office/drawing/2014/main" id="{3E5595DC-98BA-BF89-B0D6-BF6353301AD0}"/>
               </a:ext>
             </a:extLst>
           </p:cNvPr>
@@ -712,7 +712,7 @@
           <a:bodyPr/>
           <a:lstStyle/>
           <a:p>
-            <a:fld id="{60A43E55-7A8F-44BE-A749-F2AE73600C82}" type="slidenum">
+            <a:fld id="{532E1A82-ABAC-4964-948A-898FC0995271}" type="slidenum">
               <a:rPr lang="zh-CN" altLang="en-US" smtClean="0"/>
               <a:t>‹#›</a:t>
             </a:fld>
@@ -723,7 +723,7 @@
     </p:spTree>
     <p:extLst>
       <p:ext uri="{BB962C8B-B14F-4D97-AF65-F5344CB8AC3E}">
-        <p14:creationId xmlns:p14="http://schemas.microsoft.com/office/powerpoint/2010/main" val="1792787674"/>
+        <p14:creationId xmlns:p14="http://schemas.microsoft.com/office/powerpoint/2010/main" val="627209036"/>
       </p:ext>
     </p:extLst>
   </p:cSld>
@@ -755,7 +755,7 @@
           <p:cNvPr id="2" name="标题 1">
             <a:extLst>
               <a:ext uri="{FF2B5EF4-FFF2-40B4-BE49-F238E27FC236}">
-                <a16:creationId xmlns:a16="http://schemas.microsoft.com/office/drawing/2014/main" id="{6CE049FA-B692-FF7A-1245-1154C489214C}"/>
+                <a16:creationId xmlns:a16="http://schemas.microsoft.com/office/drawing/2014/main" id="{1DF51DED-F831-5517-8B59-5327948734CF}"/>
               </a:ext>
             </a:extLst>
           </p:cNvPr>
@@ -783,7 +783,7 @@
           <p:cNvPr id="3" name="内容占位符 2">
             <a:extLst>
               <a:ext uri="{FF2B5EF4-FFF2-40B4-BE49-F238E27FC236}">
-                <a16:creationId xmlns:a16="http://schemas.microsoft.com/office/drawing/2014/main" id="{313EB19C-FB0B-D9A6-9050-899F697868BE}"/>
+                <a16:creationId xmlns:a16="http://schemas.microsoft.com/office/drawing/2014/main" id="{DBFB0721-5FA9-EDF0-060F-0427E37D0893}"/>
               </a:ext>
             </a:extLst>
           </p:cNvPr>
@@ -840,7 +840,7 @@
           <p:cNvPr id="4" name="日期占位符 3">
             <a:extLst>
               <a:ext uri="{FF2B5EF4-FFF2-40B4-BE49-F238E27FC236}">
-                <a16:creationId xmlns:a16="http://schemas.microsoft.com/office/drawing/2014/main" id="{37076A93-C2EE-CA57-888D-6B060A264195}"/>
+                <a16:creationId xmlns:a16="http://schemas.microsoft.com/office/drawing/2014/main" id="{FA38896C-D8EB-3C1A-FA53-D157523C63D0}"/>
               </a:ext>
             </a:extLst>
           </p:cNvPr>
@@ -856,7 +856,7 @@
           <a:bodyPr/>
           <a:lstStyle/>
           <a:p>
-            <a:fld id="{651570F9-2E22-419A-B7F0-1EE33262E3AB}" type="datetimeFigureOut">
+            <a:fld id="{0F4FFD9B-71B6-4395-868A-FA503C1EF2D1}" type="datetimeFigureOut">
               <a:rPr lang="zh-CN" altLang="en-US" smtClean="0"/>
               <a:t>2024/3/10</a:t>
             </a:fld>
@@ -869,7 +869,7 @@
           <p:cNvPr id="5" name="页脚占位符 4">
             <a:extLst>
               <a:ext uri="{FF2B5EF4-FFF2-40B4-BE49-F238E27FC236}">
-                <a16:creationId xmlns:a16="http://schemas.microsoft.com/office/drawing/2014/main" id="{99EA03AD-22E4-5F88-E3B2-55F8F9C25277}"/>
+                <a16:creationId xmlns:a16="http://schemas.microsoft.com/office/drawing/2014/main" id="{584BD03F-ADAF-5B6E-35DA-A554B6D4CC27}"/>
               </a:ext>
             </a:extLst>
           </p:cNvPr>
@@ -894,7 +894,7 @@
           <p:cNvPr id="6" name="灯片编号占位符 5">
             <a:extLst>
               <a:ext uri="{FF2B5EF4-FFF2-40B4-BE49-F238E27FC236}">
-                <a16:creationId xmlns:a16="http://schemas.microsoft.com/office/drawing/2014/main" id="{9597E6D8-27CC-815F-1F9C-5C8CB525D64D}"/>
+                <a16:creationId xmlns:a16="http://schemas.microsoft.com/office/drawing/2014/main" id="{C46D354D-313D-008E-4B37-20F9A082164C}"/>
               </a:ext>
             </a:extLst>
           </p:cNvPr>
@@ -910,7 +910,7 @@
           <a:bodyPr/>
           <a:lstStyle/>
           <a:p>
-            <a:fld id="{60A43E55-7A8F-44BE-A749-F2AE73600C82}" type="slidenum">
+            <a:fld id="{532E1A82-ABAC-4964-948A-898FC0995271}" type="slidenum">
               <a:rPr lang="zh-CN" altLang="en-US" smtClean="0"/>
               <a:t>‹#›</a:t>
             </a:fld>
@@ -921,7 +921,7 @@
     </p:spTree>
     <p:extLst>
       <p:ext uri="{BB962C8B-B14F-4D97-AF65-F5344CB8AC3E}">
-        <p14:creationId xmlns:p14="http://schemas.microsoft.com/office/powerpoint/2010/main" val="316802779"/>
+        <p14:creationId xmlns:p14="http://schemas.microsoft.com/office/powerpoint/2010/main" val="2974657348"/>
       </p:ext>
     </p:extLst>
   </p:cSld>
@@ -953,7 +953,7 @@
           <p:cNvPr id="2" name="标题 1">
             <a:extLst>
               <a:ext uri="{FF2B5EF4-FFF2-40B4-BE49-F238E27FC236}">
-                <a16:creationId xmlns:a16="http://schemas.microsoft.com/office/drawing/2014/main" id="{2575E55E-695A-6595-0F06-836B3D749843}"/>
+                <a16:creationId xmlns:a16="http://schemas.microsoft.com/office/drawing/2014/main" id="{BC9B19B4-F876-A612-7F46-7FCC86A9795E}"/>
               </a:ext>
             </a:extLst>
           </p:cNvPr>
@@ -990,7 +990,7 @@
           <p:cNvPr id="3" name="文本占位符 2">
             <a:extLst>
               <a:ext uri="{FF2B5EF4-FFF2-40B4-BE49-F238E27FC236}">
-                <a16:creationId xmlns:a16="http://schemas.microsoft.com/office/drawing/2014/main" id="{5DC12A0F-4886-A2D5-F1B8-DC424D9A416B}"/>
+                <a16:creationId xmlns:a16="http://schemas.microsoft.com/office/drawing/2014/main" id="{14C81F97-FCD4-9E2E-1A12-B53E2D4D62A5}"/>
               </a:ext>
             </a:extLst>
           </p:cNvPr>
@@ -1115,7 +1115,7 @@
           <p:cNvPr id="4" name="日期占位符 3">
             <a:extLst>
               <a:ext uri="{FF2B5EF4-FFF2-40B4-BE49-F238E27FC236}">
-                <a16:creationId xmlns:a16="http://schemas.microsoft.com/office/drawing/2014/main" id="{82C50082-0F40-7866-3E11-071C8E4E1FFD}"/>
+                <a16:creationId xmlns:a16="http://schemas.microsoft.com/office/drawing/2014/main" id="{51AB772D-5EFC-9AD1-884B-550A8ACE5CAD}"/>
               </a:ext>
             </a:extLst>
           </p:cNvPr>
@@ -1131,7 +1131,7 @@
           <a:bodyPr/>
           <a:lstStyle/>
           <a:p>
-            <a:fld id="{651570F9-2E22-419A-B7F0-1EE33262E3AB}" type="datetimeFigureOut">
+            <a:fld id="{0F4FFD9B-71B6-4395-868A-FA503C1EF2D1}" type="datetimeFigureOut">
               <a:rPr lang="zh-CN" altLang="en-US" smtClean="0"/>
               <a:t>2024/3/10</a:t>
             </a:fld>
@@ -1144,7 +1144,7 @@
           <p:cNvPr id="5" name="页脚占位符 4">
             <a:extLst>
               <a:ext uri="{FF2B5EF4-FFF2-40B4-BE49-F238E27FC236}">
-                <a16:creationId xmlns:a16="http://schemas.microsoft.com/office/drawing/2014/main" id="{69A84E9A-9436-F64A-7BB6-1BC7287A2212}"/>
+                <a16:creationId xmlns:a16="http://schemas.microsoft.com/office/drawing/2014/main" id="{9D11F12E-23BA-B6C7-2DCD-78C7D275D484}"/>
               </a:ext>
             </a:extLst>
           </p:cNvPr>
@@ -1169,7 +1169,7 @@
           <p:cNvPr id="6" name="灯片编号占位符 5">
             <a:extLst>
               <a:ext uri="{FF2B5EF4-FFF2-40B4-BE49-F238E27FC236}">
-                <a16:creationId xmlns:a16="http://schemas.microsoft.com/office/drawing/2014/main" id="{A95BF415-2D41-43DC-FD43-5FF901250C48}"/>
+                <a16:creationId xmlns:a16="http://schemas.microsoft.com/office/drawing/2014/main" id="{5BEA5236-8704-EACC-0C6C-2BF64AE95FE4}"/>
               </a:ext>
             </a:extLst>
           </p:cNvPr>
@@ -1185,7 +1185,7 @@
           <a:bodyPr/>
           <a:lstStyle/>
           <a:p>
-            <a:fld id="{60A43E55-7A8F-44BE-A749-F2AE73600C82}" type="slidenum">
+            <a:fld id="{532E1A82-ABAC-4964-948A-898FC0995271}" type="slidenum">
               <a:rPr lang="zh-CN" altLang="en-US" smtClean="0"/>
               <a:t>‹#›</a:t>
             </a:fld>
@@ -1196,7 +1196,7 @@
     </p:spTree>
     <p:extLst>
       <p:ext uri="{BB962C8B-B14F-4D97-AF65-F5344CB8AC3E}">
-        <p14:creationId xmlns:p14="http://schemas.microsoft.com/office/powerpoint/2010/main" val="1351275221"/>
+        <p14:creationId xmlns:p14="http://schemas.microsoft.com/office/powerpoint/2010/main" val="3265525069"/>
       </p:ext>
     </p:extLst>
   </p:cSld>
@@ -1228,7 +1228,7 @@
           <p:cNvPr id="2" name="标题 1">
             <a:extLst>
               <a:ext uri="{FF2B5EF4-FFF2-40B4-BE49-F238E27FC236}">
-                <a16:creationId xmlns:a16="http://schemas.microsoft.com/office/drawing/2014/main" id="{91913C9A-5E03-604C-183D-E02089C01F45}"/>
+                <a16:creationId xmlns:a16="http://schemas.microsoft.com/office/drawing/2014/main" id="{7246B404-1994-74D8-9472-CB4234106D98}"/>
               </a:ext>
             </a:extLst>
           </p:cNvPr>
@@ -1256,7 +1256,7 @@
           <p:cNvPr id="3" name="内容占位符 2">
             <a:extLst>
               <a:ext uri="{FF2B5EF4-FFF2-40B4-BE49-F238E27FC236}">
-                <a16:creationId xmlns:a16="http://schemas.microsoft.com/office/drawing/2014/main" id="{90C355EC-FD97-1A4C-88E5-0A3328E4A303}"/>
+                <a16:creationId xmlns:a16="http://schemas.microsoft.com/office/drawing/2014/main" id="{E7B2FE9C-2308-04BF-ABCB-16DED2086952}"/>
               </a:ext>
             </a:extLst>
           </p:cNvPr>
@@ -1318,7 +1318,7 @@
           <p:cNvPr id="4" name="内容占位符 3">
             <a:extLst>
               <a:ext uri="{FF2B5EF4-FFF2-40B4-BE49-F238E27FC236}">
-                <a16:creationId xmlns:a16="http://schemas.microsoft.com/office/drawing/2014/main" id="{7DF3224F-D045-7FFE-C224-1602DE87BB1A}"/>
+                <a16:creationId xmlns:a16="http://schemas.microsoft.com/office/drawing/2014/main" id="{5DB99B79-E277-D63F-CA1F-85D08AC564C1}"/>
               </a:ext>
             </a:extLst>
           </p:cNvPr>
@@ -1380,7 +1380,7 @@
           <p:cNvPr id="5" name="日期占位符 4">
             <a:extLst>
               <a:ext uri="{FF2B5EF4-FFF2-40B4-BE49-F238E27FC236}">
-                <a16:creationId xmlns:a16="http://schemas.microsoft.com/office/drawing/2014/main" id="{F866B041-BA74-BE47-341F-DBD3667A6BC7}"/>
+                <a16:creationId xmlns:a16="http://schemas.microsoft.com/office/drawing/2014/main" id="{68A0DC26-1730-AF87-1761-8769B521F771}"/>
               </a:ext>
             </a:extLst>
           </p:cNvPr>
@@ -1396,7 +1396,7 @@
           <a:bodyPr/>
           <a:lstStyle/>
           <a:p>
-            <a:fld id="{651570F9-2E22-419A-B7F0-1EE33262E3AB}" type="datetimeFigureOut">
+            <a:fld id="{0F4FFD9B-71B6-4395-868A-FA503C1EF2D1}" type="datetimeFigureOut">
               <a:rPr lang="zh-CN" altLang="en-US" smtClean="0"/>
               <a:t>2024/3/10</a:t>
             </a:fld>
@@ -1409,7 +1409,7 @@
           <p:cNvPr id="6" name="页脚占位符 5">
             <a:extLst>
               <a:ext uri="{FF2B5EF4-FFF2-40B4-BE49-F238E27FC236}">
-                <a16:creationId xmlns:a16="http://schemas.microsoft.com/office/drawing/2014/main" id="{1651BA59-8CE7-0527-D1A1-6F93401CA7A4}"/>
+                <a16:creationId xmlns:a16="http://schemas.microsoft.com/office/drawing/2014/main" id="{4CD2DFC4-F4F8-3448-6574-7ACFFF86391D}"/>
               </a:ext>
             </a:extLst>
           </p:cNvPr>
@@ -1434,7 +1434,7 @@
           <p:cNvPr id="7" name="灯片编号占位符 6">
             <a:extLst>
               <a:ext uri="{FF2B5EF4-FFF2-40B4-BE49-F238E27FC236}">
-                <a16:creationId xmlns:a16="http://schemas.microsoft.com/office/drawing/2014/main" id="{1536DDB9-18E3-2640-228A-245EB61FAB68}"/>
+                <a16:creationId xmlns:a16="http://schemas.microsoft.com/office/drawing/2014/main" id="{0A44E15E-B5B6-CC39-35F6-91033156E52C}"/>
               </a:ext>
             </a:extLst>
           </p:cNvPr>
@@ -1450,7 +1450,7 @@
           <a:bodyPr/>
           <a:lstStyle/>
           <a:p>
-            <a:fld id="{60A43E55-7A8F-44BE-A749-F2AE73600C82}" type="slidenum">
+            <a:fld id="{532E1A82-ABAC-4964-948A-898FC0995271}" type="slidenum">
               <a:rPr lang="zh-CN" altLang="en-US" smtClean="0"/>
               <a:t>‹#›</a:t>
             </a:fld>
@@ -1461,7 +1461,7 @@
     </p:spTree>
     <p:extLst>
       <p:ext uri="{BB962C8B-B14F-4D97-AF65-F5344CB8AC3E}">
-        <p14:creationId xmlns:p14="http://schemas.microsoft.com/office/powerpoint/2010/main" val="4082731271"/>
+        <p14:creationId xmlns:p14="http://schemas.microsoft.com/office/powerpoint/2010/main" val="520635040"/>
       </p:ext>
     </p:extLst>
   </p:cSld>
@@ -1493,7 +1493,7 @@
           <p:cNvPr id="2" name="标题 1">
             <a:extLst>
               <a:ext uri="{FF2B5EF4-FFF2-40B4-BE49-F238E27FC236}">
-                <a16:creationId xmlns:a16="http://schemas.microsoft.com/office/drawing/2014/main" id="{CFB86C8D-B69B-49F3-3661-DFB3281D01B5}"/>
+                <a16:creationId xmlns:a16="http://schemas.microsoft.com/office/drawing/2014/main" id="{920CB210-353F-F903-858A-72D7C87A1A3E}"/>
               </a:ext>
             </a:extLst>
           </p:cNvPr>
@@ -1526,7 +1526,7 @@
           <p:cNvPr id="3" name="文本占位符 2">
             <a:extLst>
               <a:ext uri="{FF2B5EF4-FFF2-40B4-BE49-F238E27FC236}">
-                <a16:creationId xmlns:a16="http://schemas.microsoft.com/office/drawing/2014/main" id="{B1B2D9BE-2D88-104E-0EA7-FC434EC2410B}"/>
+                <a16:creationId xmlns:a16="http://schemas.microsoft.com/office/drawing/2014/main" id="{1ABF1731-A095-849D-D8F6-E4674E139641}"/>
               </a:ext>
             </a:extLst>
           </p:cNvPr>
@@ -1597,7 +1597,7 @@
           <p:cNvPr id="4" name="内容占位符 3">
             <a:extLst>
               <a:ext uri="{FF2B5EF4-FFF2-40B4-BE49-F238E27FC236}">
-                <a16:creationId xmlns:a16="http://schemas.microsoft.com/office/drawing/2014/main" id="{B73297D2-A8F5-5088-C326-D2DD010AED12}"/>
+                <a16:creationId xmlns:a16="http://schemas.microsoft.com/office/drawing/2014/main" id="{7AA5A54B-881C-2986-C02C-8F51E15AACCE}"/>
               </a:ext>
             </a:extLst>
           </p:cNvPr>
@@ -1659,7 +1659,7 @@
           <p:cNvPr id="5" name="文本占位符 4">
             <a:extLst>
               <a:ext uri="{FF2B5EF4-FFF2-40B4-BE49-F238E27FC236}">
-                <a16:creationId xmlns:a16="http://schemas.microsoft.com/office/drawing/2014/main" id="{3BE3F114-B31D-7F95-9E0D-43B1131EA7FD}"/>
+                <a16:creationId xmlns:a16="http://schemas.microsoft.com/office/drawing/2014/main" id="{F2F245AE-3635-F22D-6B86-7D62B084A7D0}"/>
               </a:ext>
             </a:extLst>
           </p:cNvPr>
@@ -1730,7 +1730,7 @@
           <p:cNvPr id="6" name="内容占位符 5">
             <a:extLst>
               <a:ext uri="{FF2B5EF4-FFF2-40B4-BE49-F238E27FC236}">
-                <a16:creationId xmlns:a16="http://schemas.microsoft.com/office/drawing/2014/main" id="{3180A226-F616-3520-786B-426D3AEC75F5}"/>
+                <a16:creationId xmlns:a16="http://schemas.microsoft.com/office/drawing/2014/main" id="{1D4C191C-4ED0-DDE2-F9C7-195B0F984805}"/>
               </a:ext>
             </a:extLst>
           </p:cNvPr>
@@ -1792,7 +1792,7 @@
           <p:cNvPr id="7" name="日期占位符 6">
             <a:extLst>
               <a:ext uri="{FF2B5EF4-FFF2-40B4-BE49-F238E27FC236}">
-                <a16:creationId xmlns:a16="http://schemas.microsoft.com/office/drawing/2014/main" id="{9DE1F0F3-BF56-3823-DC47-6205B3B9AEC5}"/>
+                <a16:creationId xmlns:a16="http://schemas.microsoft.com/office/drawing/2014/main" id="{D5200627-2608-D185-E456-991CCA09E968}"/>
               </a:ext>
             </a:extLst>
           </p:cNvPr>
@@ -1808,7 +1808,7 @@
           <a:bodyPr/>
           <a:lstStyle/>
           <a:p>
-            <a:fld id="{651570F9-2E22-419A-B7F0-1EE33262E3AB}" type="datetimeFigureOut">
+            <a:fld id="{0F4FFD9B-71B6-4395-868A-FA503C1EF2D1}" type="datetimeFigureOut">
               <a:rPr lang="zh-CN" altLang="en-US" smtClean="0"/>
               <a:t>2024/3/10</a:t>
             </a:fld>
@@ -1821,7 +1821,7 @@
           <p:cNvPr id="8" name="页脚占位符 7">
             <a:extLst>
               <a:ext uri="{FF2B5EF4-FFF2-40B4-BE49-F238E27FC236}">
-                <a16:creationId xmlns:a16="http://schemas.microsoft.com/office/drawing/2014/main" id="{92DB333A-84AF-2EFE-7671-61E2486B5A39}"/>
+                <a16:creationId xmlns:a16="http://schemas.microsoft.com/office/drawing/2014/main" id="{1B583A5C-E9E0-8270-9D4D-2D158381FC1E}"/>
               </a:ext>
             </a:extLst>
           </p:cNvPr>
@@ -1846,7 +1846,7 @@
           <p:cNvPr id="9" name="灯片编号占位符 8">
             <a:extLst>
               <a:ext uri="{FF2B5EF4-FFF2-40B4-BE49-F238E27FC236}">
-                <a16:creationId xmlns:a16="http://schemas.microsoft.com/office/drawing/2014/main" id="{05837D0C-3977-8255-EF32-B337F4EF6A99}"/>
+                <a16:creationId xmlns:a16="http://schemas.microsoft.com/office/drawing/2014/main" id="{4E034279-8DE9-08E9-CEF7-274FF1AF468F}"/>
               </a:ext>
             </a:extLst>
           </p:cNvPr>
@@ -1862,7 +1862,7 @@
           <a:bodyPr/>
           <a:lstStyle/>
           <a:p>
-            <a:fld id="{60A43E55-7A8F-44BE-A749-F2AE73600C82}" type="slidenum">
+            <a:fld id="{532E1A82-ABAC-4964-948A-898FC0995271}" type="slidenum">
               <a:rPr lang="zh-CN" altLang="en-US" smtClean="0"/>
               <a:t>‹#›</a:t>
             </a:fld>
@@ -1873,7 +1873,7 @@
     </p:spTree>
     <p:extLst>
       <p:ext uri="{BB962C8B-B14F-4D97-AF65-F5344CB8AC3E}">
-        <p14:creationId xmlns:p14="http://schemas.microsoft.com/office/powerpoint/2010/main" val="2818239958"/>
+        <p14:creationId xmlns:p14="http://schemas.microsoft.com/office/powerpoint/2010/main" val="2934655236"/>
       </p:ext>
     </p:extLst>
   </p:cSld>
@@ -1905,7 +1905,7 @@
           <p:cNvPr id="2" name="标题 1">
             <a:extLst>
               <a:ext uri="{FF2B5EF4-FFF2-40B4-BE49-F238E27FC236}">
-                <a16:creationId xmlns:a16="http://schemas.microsoft.com/office/drawing/2014/main" id="{13EEFB8C-5C49-10EC-537C-0D7EFBC38E1B}"/>
+                <a16:creationId xmlns:a16="http://schemas.microsoft.com/office/drawing/2014/main" id="{4DB0A8D5-6301-DD72-0F29-BD072C8498F8}"/>
               </a:ext>
             </a:extLst>
           </p:cNvPr>
@@ -1933,7 +1933,7 @@
           <p:cNvPr id="3" name="日期占位符 2">
             <a:extLst>
               <a:ext uri="{FF2B5EF4-FFF2-40B4-BE49-F238E27FC236}">
-                <a16:creationId xmlns:a16="http://schemas.microsoft.com/office/drawing/2014/main" id="{4A0F3428-8636-B462-47D2-2B0290FEF637}"/>
+                <a16:creationId xmlns:a16="http://schemas.microsoft.com/office/drawing/2014/main" id="{D856562C-FB20-0881-01AB-2143AEADE6D8}"/>
               </a:ext>
             </a:extLst>
           </p:cNvPr>
@@ -1949,7 +1949,7 @@
           <a:bodyPr/>
           <a:lstStyle/>
           <a:p>
-            <a:fld id="{651570F9-2E22-419A-B7F0-1EE33262E3AB}" type="datetimeFigureOut">
+            <a:fld id="{0F4FFD9B-71B6-4395-868A-FA503C1EF2D1}" type="datetimeFigureOut">
               <a:rPr lang="zh-CN" altLang="en-US" smtClean="0"/>
               <a:t>2024/3/10</a:t>
             </a:fld>
@@ -1962,7 +1962,7 @@
           <p:cNvPr id="4" name="页脚占位符 3">
             <a:extLst>
               <a:ext uri="{FF2B5EF4-FFF2-40B4-BE49-F238E27FC236}">
-                <a16:creationId xmlns:a16="http://schemas.microsoft.com/office/drawing/2014/main" id="{7EC32BD2-6F06-090C-5862-6684A7B31A0C}"/>
+                <a16:creationId xmlns:a16="http://schemas.microsoft.com/office/drawing/2014/main" id="{08D70A3A-7A12-DA76-DFE2-B19453A423B0}"/>
               </a:ext>
             </a:extLst>
           </p:cNvPr>
@@ -1987,7 +1987,7 @@
           <p:cNvPr id="5" name="灯片编号占位符 4">
             <a:extLst>
               <a:ext uri="{FF2B5EF4-FFF2-40B4-BE49-F238E27FC236}">
-                <a16:creationId xmlns:a16="http://schemas.microsoft.com/office/drawing/2014/main" id="{43B9EC26-E9EF-03E0-E1F1-03A26A414EC4}"/>
+                <a16:creationId xmlns:a16="http://schemas.microsoft.com/office/drawing/2014/main" id="{DB186D17-9F02-F4A9-FA3C-ED651E59B548}"/>
               </a:ext>
             </a:extLst>
           </p:cNvPr>
@@ -2003,7 +2003,7 @@
           <a:bodyPr/>
           <a:lstStyle/>
           <a:p>
-            <a:fld id="{60A43E55-7A8F-44BE-A749-F2AE73600C82}" type="slidenum">
+            <a:fld id="{532E1A82-ABAC-4964-948A-898FC0995271}" type="slidenum">
               <a:rPr lang="zh-CN" altLang="en-US" smtClean="0"/>
               <a:t>‹#›</a:t>
             </a:fld>
@@ -2014,7 +2014,7 @@
     </p:spTree>
     <p:extLst>
       <p:ext uri="{BB962C8B-B14F-4D97-AF65-F5344CB8AC3E}">
-        <p14:creationId xmlns:p14="http://schemas.microsoft.com/office/powerpoint/2010/main" val="1987859626"/>
+        <p14:creationId xmlns:p14="http://schemas.microsoft.com/office/powerpoint/2010/main" val="1801642820"/>
       </p:ext>
     </p:extLst>
   </p:cSld>
@@ -2046,7 +2046,7 @@
           <p:cNvPr id="2" name="日期占位符 1">
             <a:extLst>
               <a:ext uri="{FF2B5EF4-FFF2-40B4-BE49-F238E27FC236}">
-                <a16:creationId xmlns:a16="http://schemas.microsoft.com/office/drawing/2014/main" id="{95B63D0B-49A7-EFA7-2E43-C7AF5EA60408}"/>
+                <a16:creationId xmlns:a16="http://schemas.microsoft.com/office/drawing/2014/main" id="{30642CF1-99A0-32BD-425A-207E586F218A}"/>
               </a:ext>
             </a:extLst>
           </p:cNvPr>
@@ -2062,7 +2062,7 @@
           <a:bodyPr/>
           <a:lstStyle/>
           <a:p>
-            <a:fld id="{651570F9-2E22-419A-B7F0-1EE33262E3AB}" type="datetimeFigureOut">
+            <a:fld id="{0F4FFD9B-71B6-4395-868A-FA503C1EF2D1}" type="datetimeFigureOut">
               <a:rPr lang="zh-CN" altLang="en-US" smtClean="0"/>
               <a:t>2024/3/10</a:t>
             </a:fld>
@@ -2075,7 +2075,7 @@
           <p:cNvPr id="3" name="页脚占位符 2">
             <a:extLst>
               <a:ext uri="{FF2B5EF4-FFF2-40B4-BE49-F238E27FC236}">
-                <a16:creationId xmlns:a16="http://schemas.microsoft.com/office/drawing/2014/main" id="{46EAFD8A-59A5-DA45-6041-A4108DBA6E2D}"/>
+                <a16:creationId xmlns:a16="http://schemas.microsoft.com/office/drawing/2014/main" id="{5B5ADAAF-E325-9F6D-EF00-49B6B5A85FDE}"/>
               </a:ext>
             </a:extLst>
           </p:cNvPr>
@@ -2100,7 +2100,7 @@
           <p:cNvPr id="4" name="灯片编号占位符 3">
             <a:extLst>
               <a:ext uri="{FF2B5EF4-FFF2-40B4-BE49-F238E27FC236}">
-                <a16:creationId xmlns:a16="http://schemas.microsoft.com/office/drawing/2014/main" id="{344B6AA5-55F4-7C00-3077-F03D206E6E79}"/>
+                <a16:creationId xmlns:a16="http://schemas.microsoft.com/office/drawing/2014/main" id="{AB339B49-BF72-5BE4-E656-573099E50230}"/>
               </a:ext>
             </a:extLst>
           </p:cNvPr>
@@ -2116,7 +2116,7 @@
           <a:bodyPr/>
           <a:lstStyle/>
           <a:p>
-            <a:fld id="{60A43E55-7A8F-44BE-A749-F2AE73600C82}" type="slidenum">
+            <a:fld id="{532E1A82-ABAC-4964-948A-898FC0995271}" type="slidenum">
               <a:rPr lang="zh-CN" altLang="en-US" smtClean="0"/>
               <a:t>‹#›</a:t>
             </a:fld>
@@ -2127,7 +2127,7 @@
     </p:spTree>
     <p:extLst>
       <p:ext uri="{BB962C8B-B14F-4D97-AF65-F5344CB8AC3E}">
-        <p14:creationId xmlns:p14="http://schemas.microsoft.com/office/powerpoint/2010/main" val="799215670"/>
+        <p14:creationId xmlns:p14="http://schemas.microsoft.com/office/powerpoint/2010/main" val="3394819407"/>
       </p:ext>
     </p:extLst>
   </p:cSld>
@@ -2159,7 +2159,7 @@
           <p:cNvPr id="2" name="标题 1">
             <a:extLst>
               <a:ext uri="{FF2B5EF4-FFF2-40B4-BE49-F238E27FC236}">
-                <a16:creationId xmlns:a16="http://schemas.microsoft.com/office/drawing/2014/main" id="{E87ADA40-208E-8137-CCA6-E5D080132D07}"/>
+                <a16:creationId xmlns:a16="http://schemas.microsoft.com/office/drawing/2014/main" id="{FD3FFF62-8763-06B8-9743-E3B78FE699C0}"/>
               </a:ext>
             </a:extLst>
           </p:cNvPr>
@@ -2196,7 +2196,7 @@
           <p:cNvPr id="3" name="内容占位符 2">
             <a:extLst>
               <a:ext uri="{FF2B5EF4-FFF2-40B4-BE49-F238E27FC236}">
-                <a16:creationId xmlns:a16="http://schemas.microsoft.com/office/drawing/2014/main" id="{28B1B216-4C69-CF5C-3120-FF640355068C}"/>
+                <a16:creationId xmlns:a16="http://schemas.microsoft.com/office/drawing/2014/main" id="{F0B868D7-A003-941A-BDF1-C055593D7874}"/>
               </a:ext>
             </a:extLst>
           </p:cNvPr>
@@ -2286,7 +2286,7 @@
           <p:cNvPr id="4" name="文本占位符 3">
             <a:extLst>
               <a:ext uri="{FF2B5EF4-FFF2-40B4-BE49-F238E27FC236}">
-                <a16:creationId xmlns:a16="http://schemas.microsoft.com/office/drawing/2014/main" id="{3C719F56-194F-3154-75A5-9F7F36AC0010}"/>
+                <a16:creationId xmlns:a16="http://schemas.microsoft.com/office/drawing/2014/main" id="{B3C249D0-0502-C661-5170-F85EA096C808}"/>
               </a:ext>
             </a:extLst>
           </p:cNvPr>
@@ -2357,7 +2357,7 @@
           <p:cNvPr id="5" name="日期占位符 4">
             <a:extLst>
               <a:ext uri="{FF2B5EF4-FFF2-40B4-BE49-F238E27FC236}">
-                <a16:creationId xmlns:a16="http://schemas.microsoft.com/office/drawing/2014/main" id="{91DDD827-1496-2791-1F22-39895980AAF1}"/>
+                <a16:creationId xmlns:a16="http://schemas.microsoft.com/office/drawing/2014/main" id="{D5EAD75D-DF6B-EC4A-CDE1-A16B9C3BD00E}"/>
               </a:ext>
             </a:extLst>
           </p:cNvPr>
@@ -2373,7 +2373,7 @@
           <a:bodyPr/>
           <a:lstStyle/>
           <a:p>
-            <a:fld id="{651570F9-2E22-419A-B7F0-1EE33262E3AB}" type="datetimeFigureOut">
+            <a:fld id="{0F4FFD9B-71B6-4395-868A-FA503C1EF2D1}" type="datetimeFigureOut">
               <a:rPr lang="zh-CN" altLang="en-US" smtClean="0"/>
               <a:t>2024/3/10</a:t>
             </a:fld>
@@ -2386,7 +2386,7 @@
           <p:cNvPr id="6" name="页脚占位符 5">
             <a:extLst>
               <a:ext uri="{FF2B5EF4-FFF2-40B4-BE49-F238E27FC236}">
-                <a16:creationId xmlns:a16="http://schemas.microsoft.com/office/drawing/2014/main" id="{F6F143A0-081A-781E-D567-946391CED889}"/>
+                <a16:creationId xmlns:a16="http://schemas.microsoft.com/office/drawing/2014/main" id="{7DF7346A-AC0A-4F00-A096-E8E0D053851F}"/>
               </a:ext>
             </a:extLst>
           </p:cNvPr>
@@ -2411,7 +2411,7 @@
           <p:cNvPr id="7" name="灯片编号占位符 6">
             <a:extLst>
               <a:ext uri="{FF2B5EF4-FFF2-40B4-BE49-F238E27FC236}">
-                <a16:creationId xmlns:a16="http://schemas.microsoft.com/office/drawing/2014/main" id="{404A90C6-9B22-176C-CBD8-5FE0193B664C}"/>
+                <a16:creationId xmlns:a16="http://schemas.microsoft.com/office/drawing/2014/main" id="{6C6ED593-7ED0-06EB-C650-B39473B3CDDC}"/>
               </a:ext>
             </a:extLst>
           </p:cNvPr>
@@ -2427,7 +2427,7 @@
           <a:bodyPr/>
           <a:lstStyle/>
           <a:p>
-            <a:fld id="{60A43E55-7A8F-44BE-A749-F2AE73600C82}" type="slidenum">
+            <a:fld id="{532E1A82-ABAC-4964-948A-898FC0995271}" type="slidenum">
               <a:rPr lang="zh-CN" altLang="en-US" smtClean="0"/>
               <a:t>‹#›</a:t>
             </a:fld>
@@ -2438,7 +2438,7 @@
     </p:spTree>
     <p:extLst>
       <p:ext uri="{BB962C8B-B14F-4D97-AF65-F5344CB8AC3E}">
-        <p14:creationId xmlns:p14="http://schemas.microsoft.com/office/powerpoint/2010/main" val="2608868544"/>
+        <p14:creationId xmlns:p14="http://schemas.microsoft.com/office/powerpoint/2010/main" val="1471835156"/>
       </p:ext>
     </p:extLst>
   </p:cSld>
@@ -2470,7 +2470,7 @@
           <p:cNvPr id="2" name="标题 1">
             <a:extLst>
               <a:ext uri="{FF2B5EF4-FFF2-40B4-BE49-F238E27FC236}">
-                <a16:creationId xmlns:a16="http://schemas.microsoft.com/office/drawing/2014/main" id="{31B9F7E4-0D96-AC4F-CC88-B0D481FDC9F3}"/>
+                <a16:creationId xmlns:a16="http://schemas.microsoft.com/office/drawing/2014/main" id="{0A716D65-A58C-C9C3-4831-0544237D6B39}"/>
               </a:ext>
             </a:extLst>
           </p:cNvPr>
@@ -2507,7 +2507,7 @@
           <p:cNvPr id="3" name="图片占位符 2">
             <a:extLst>
               <a:ext uri="{FF2B5EF4-FFF2-40B4-BE49-F238E27FC236}">
-                <a16:creationId xmlns:a16="http://schemas.microsoft.com/office/drawing/2014/main" id="{61F4A974-A015-05C5-C208-1C189F2B6D30}"/>
+                <a16:creationId xmlns:a16="http://schemas.microsoft.com/office/drawing/2014/main" id="{0C3A7828-636A-E6BD-2BC8-8838015B8F88}"/>
               </a:ext>
             </a:extLst>
           </p:cNvPr>
@@ -2574,7 +2574,7 @@
           <p:cNvPr id="4" name="文本占位符 3">
             <a:extLst>
               <a:ext uri="{FF2B5EF4-FFF2-40B4-BE49-F238E27FC236}">
-                <a16:creationId xmlns:a16="http://schemas.microsoft.com/office/drawing/2014/main" id="{13101928-DEC3-375B-A46E-0F67486F4713}"/>
+                <a16:creationId xmlns:a16="http://schemas.microsoft.com/office/drawing/2014/main" id="{BE41972C-8DF6-E94F-9B16-792C51CB43EC}"/>
               </a:ext>
             </a:extLst>
           </p:cNvPr>
@@ -2645,7 +2645,7 @@
           <p:cNvPr id="5" name="日期占位符 4">
             <a:extLst>
               <a:ext uri="{FF2B5EF4-FFF2-40B4-BE49-F238E27FC236}">
-                <a16:creationId xmlns:a16="http://schemas.microsoft.com/office/drawing/2014/main" id="{50B7E07C-479D-B776-B5BB-AC6BC59751A4}"/>
+                <a16:creationId xmlns:a16="http://schemas.microsoft.com/office/drawing/2014/main" id="{58944C28-24C0-060D-4CA2-AC296E2F4BFD}"/>
               </a:ext>
             </a:extLst>
           </p:cNvPr>
@@ -2661,7 +2661,7 @@
           <a:bodyPr/>
           <a:lstStyle/>
           <a:p>
-            <a:fld id="{651570F9-2E22-419A-B7F0-1EE33262E3AB}" type="datetimeFigureOut">
+            <a:fld id="{0F4FFD9B-71B6-4395-868A-FA503C1EF2D1}" type="datetimeFigureOut">
               <a:rPr lang="zh-CN" altLang="en-US" smtClean="0"/>
               <a:t>2024/3/10</a:t>
             </a:fld>
@@ -2674,7 +2674,7 @@
           <p:cNvPr id="6" name="页脚占位符 5">
             <a:extLst>
               <a:ext uri="{FF2B5EF4-FFF2-40B4-BE49-F238E27FC236}">
-                <a16:creationId xmlns:a16="http://schemas.microsoft.com/office/drawing/2014/main" id="{191BA715-F399-2D05-1912-EFE274B056E9}"/>
+                <a16:creationId xmlns:a16="http://schemas.microsoft.com/office/drawing/2014/main" id="{E6C7AF90-A1F7-F9C7-C6E8-CDC33EDA58C2}"/>
               </a:ext>
             </a:extLst>
           </p:cNvPr>
@@ -2699,7 +2699,7 @@
           <p:cNvPr id="7" name="灯片编号占位符 6">
             <a:extLst>
               <a:ext uri="{FF2B5EF4-FFF2-40B4-BE49-F238E27FC236}">
-                <a16:creationId xmlns:a16="http://schemas.microsoft.com/office/drawing/2014/main" id="{630988CB-B09E-98AA-27E5-6F6971049B39}"/>
+                <a16:creationId xmlns:a16="http://schemas.microsoft.com/office/drawing/2014/main" id="{3DD652A5-501F-B05A-F0FB-7DB9D1C21445}"/>
               </a:ext>
             </a:extLst>
           </p:cNvPr>
@@ -2715,7 +2715,7 @@
           <a:bodyPr/>
           <a:lstStyle/>
           <a:p>
-            <a:fld id="{60A43E55-7A8F-44BE-A749-F2AE73600C82}" type="slidenum">
+            <a:fld id="{532E1A82-ABAC-4964-948A-898FC0995271}" type="slidenum">
               <a:rPr lang="zh-CN" altLang="en-US" smtClean="0"/>
               <a:t>‹#›</a:t>
             </a:fld>
@@ -2726,7 +2726,7 @@
     </p:spTree>
     <p:extLst>
       <p:ext uri="{BB962C8B-B14F-4D97-AF65-F5344CB8AC3E}">
-        <p14:creationId xmlns:p14="http://schemas.microsoft.com/office/powerpoint/2010/main" val="2141137353"/>
+        <p14:creationId xmlns:p14="http://schemas.microsoft.com/office/powerpoint/2010/main" val="3552706698"/>
       </p:ext>
     </p:extLst>
   </p:cSld>
@@ -2763,7 +2763,7 @@
           <p:cNvPr id="2" name="标题占位符 1">
             <a:extLst>
               <a:ext uri="{FF2B5EF4-FFF2-40B4-BE49-F238E27FC236}">
-                <a16:creationId xmlns:a16="http://schemas.microsoft.com/office/drawing/2014/main" id="{8EF8DED8-E843-A888-0CC1-965F28CE7047}"/>
+                <a16:creationId xmlns:a16="http://schemas.microsoft.com/office/drawing/2014/main" id="{BFDEC235-B146-2408-92C4-3B61B286B5A4}"/>
               </a:ext>
             </a:extLst>
           </p:cNvPr>
@@ -2801,7 +2801,7 @@
           <p:cNvPr id="3" name="文本占位符 2">
             <a:extLst>
               <a:ext uri="{FF2B5EF4-FFF2-40B4-BE49-F238E27FC236}">
-                <a16:creationId xmlns:a16="http://schemas.microsoft.com/office/drawing/2014/main" id="{CE6202AC-5B5A-07E8-65FF-BC7AE3521072}"/>
+                <a16:creationId xmlns:a16="http://schemas.microsoft.com/office/drawing/2014/main" id="{4E1C7112-6C8A-881B-CD12-FE4CE351D305}"/>
               </a:ext>
             </a:extLst>
           </p:cNvPr>
@@ -2868,7 +2868,7 @@
           <p:cNvPr id="4" name="日期占位符 3">
             <a:extLst>
               <a:ext uri="{FF2B5EF4-FFF2-40B4-BE49-F238E27FC236}">
-                <a16:creationId xmlns:a16="http://schemas.microsoft.com/office/drawing/2014/main" id="{039360CB-D358-6247-51E8-9698AAB9BC1B}"/>
+                <a16:creationId xmlns:a16="http://schemas.microsoft.com/office/drawing/2014/main" id="{51018DF7-901F-F20B-C0A7-3528502D8C44}"/>
               </a:ext>
             </a:extLst>
           </p:cNvPr>
@@ -2902,7 +2902,7 @@
             </a:lvl1pPr>
           </a:lstStyle>
           <a:p>
-            <a:fld id="{651570F9-2E22-419A-B7F0-1EE33262E3AB}" type="datetimeFigureOut">
+            <a:fld id="{0F4FFD9B-71B6-4395-868A-FA503C1EF2D1}" type="datetimeFigureOut">
               <a:rPr lang="zh-CN" altLang="en-US" smtClean="0"/>
               <a:t>2024/3/10</a:t>
             </a:fld>
@@ -2915,7 +2915,7 @@
           <p:cNvPr id="5" name="页脚占位符 4">
             <a:extLst>
               <a:ext uri="{FF2B5EF4-FFF2-40B4-BE49-F238E27FC236}">
-                <a16:creationId xmlns:a16="http://schemas.microsoft.com/office/drawing/2014/main" id="{E7C8D58C-BD5A-370B-9576-8E738A1DC92D}"/>
+                <a16:creationId xmlns:a16="http://schemas.microsoft.com/office/drawing/2014/main" id="{A3A7C738-0A6A-334A-C484-9F125F545336}"/>
               </a:ext>
             </a:extLst>
           </p:cNvPr>
@@ -2958,7 +2958,7 @@
           <p:cNvPr id="6" name="灯片编号占位符 5">
             <a:extLst>
               <a:ext uri="{FF2B5EF4-FFF2-40B4-BE49-F238E27FC236}">
-                <a16:creationId xmlns:a16="http://schemas.microsoft.com/office/drawing/2014/main" id="{BD17A8BB-D08F-6EBF-663C-EDD94651B0FE}"/>
+                <a16:creationId xmlns:a16="http://schemas.microsoft.com/office/drawing/2014/main" id="{5D3E6921-81E2-4C1D-96B8-72C27CC22F08}"/>
               </a:ext>
             </a:extLst>
           </p:cNvPr>
@@ -2992,7 +2992,7 @@
             </a:lvl1pPr>
           </a:lstStyle>
           <a:p>
-            <a:fld id="{60A43E55-7A8F-44BE-A749-F2AE73600C82}" type="slidenum">
+            <a:fld id="{532E1A82-ABAC-4964-948A-898FC0995271}" type="slidenum">
               <a:rPr lang="zh-CN" altLang="en-US" smtClean="0"/>
               <a:t>‹#›</a:t>
             </a:fld>
@@ -3003,7 +3003,7 @@
     </p:spTree>
     <p:extLst>
       <p:ext uri="{BB962C8B-B14F-4D97-AF65-F5344CB8AC3E}">
-        <p14:creationId xmlns:p14="http://schemas.microsoft.com/office/powerpoint/2010/main" val="3485196146"/>
+        <p14:creationId xmlns:p14="http://schemas.microsoft.com/office/powerpoint/2010/main" val="2616225715"/>
       </p:ext>
     </p:extLst>
   </p:cSld>
